--- a/PPT/laravel  artisan revision .pptx
+++ b/PPT/laravel  artisan revision .pptx
@@ -200,7 +200,7 @@
             <a:fld id="{EA38CB6D-63C9-464B-889E-D8FE438905A2}" type="datetimeFigureOut">
               <a:rPr lang="ar-EG" smtClean="0"/>
               <a:pPr/>
-              <a:t>02/04/1440</a:t>
+              <a:t>04/04/1440</a:t>
             </a:fld>
             <a:endParaRPr lang="ar-EG"/>
           </a:p>
@@ -648,7 +648,7 @@
             <a:fld id="{1D8BD707-D9CF-40AE-B4C6-C98DA3205C09}" type="datetimeFigureOut">
               <a:rPr lang="en-US" smtClean="0"/>
               <a:pPr/>
-              <a:t>12/10/2018</a:t>
+              <a:t>12/12/2018</a:t>
             </a:fld>
             <a:endParaRPr lang="en-US"/>
           </a:p>
@@ -815,7 +815,7 @@
             <a:fld id="{1D8BD707-D9CF-40AE-B4C6-C98DA3205C09}" type="datetimeFigureOut">
               <a:rPr lang="en-US" smtClean="0"/>
               <a:pPr/>
-              <a:t>12/10/2018</a:t>
+              <a:t>12/12/2018</a:t>
             </a:fld>
             <a:endParaRPr lang="en-US"/>
           </a:p>
@@ -992,7 +992,7 @@
             <a:fld id="{1D8BD707-D9CF-40AE-B4C6-C98DA3205C09}" type="datetimeFigureOut">
               <a:rPr lang="en-US" smtClean="0"/>
               <a:pPr/>
-              <a:t>12/10/2018</a:t>
+              <a:t>12/12/2018</a:t>
             </a:fld>
             <a:endParaRPr lang="en-US"/>
           </a:p>
@@ -1159,7 +1159,7 @@
             <a:fld id="{1D8BD707-D9CF-40AE-B4C6-C98DA3205C09}" type="datetimeFigureOut">
               <a:rPr lang="en-US" smtClean="0"/>
               <a:pPr/>
-              <a:t>12/10/2018</a:t>
+              <a:t>12/12/2018</a:t>
             </a:fld>
             <a:endParaRPr lang="en-US"/>
           </a:p>
@@ -1402,7 +1402,7 @@
             <a:fld id="{1D8BD707-D9CF-40AE-B4C6-C98DA3205C09}" type="datetimeFigureOut">
               <a:rPr lang="en-US" smtClean="0"/>
               <a:pPr/>
-              <a:t>12/10/2018</a:t>
+              <a:t>12/12/2018</a:t>
             </a:fld>
             <a:endParaRPr lang="en-US"/>
           </a:p>
@@ -1687,7 +1687,7 @@
             <a:fld id="{1D8BD707-D9CF-40AE-B4C6-C98DA3205C09}" type="datetimeFigureOut">
               <a:rPr lang="en-US" smtClean="0"/>
               <a:pPr/>
-              <a:t>12/10/2018</a:t>
+              <a:t>12/12/2018</a:t>
             </a:fld>
             <a:endParaRPr lang="en-US"/>
           </a:p>
@@ -2106,7 +2106,7 @@
             <a:fld id="{1D8BD707-D9CF-40AE-B4C6-C98DA3205C09}" type="datetimeFigureOut">
               <a:rPr lang="en-US" smtClean="0"/>
               <a:pPr/>
-              <a:t>12/10/2018</a:t>
+              <a:t>12/12/2018</a:t>
             </a:fld>
             <a:endParaRPr lang="en-US"/>
           </a:p>
@@ -2221,7 +2221,7 @@
             <a:fld id="{1D8BD707-D9CF-40AE-B4C6-C98DA3205C09}" type="datetimeFigureOut">
               <a:rPr lang="en-US" smtClean="0"/>
               <a:pPr/>
-              <a:t>12/10/2018</a:t>
+              <a:t>12/12/2018</a:t>
             </a:fld>
             <a:endParaRPr lang="en-US"/>
           </a:p>
@@ -2313,7 +2313,7 @@
             <a:fld id="{1D8BD707-D9CF-40AE-B4C6-C98DA3205C09}" type="datetimeFigureOut">
               <a:rPr lang="en-US" smtClean="0"/>
               <a:pPr/>
-              <a:t>12/10/2018</a:t>
+              <a:t>12/12/2018</a:t>
             </a:fld>
             <a:endParaRPr lang="en-US"/>
           </a:p>
@@ -2587,7 +2587,7 @@
             <a:fld id="{1D8BD707-D9CF-40AE-B4C6-C98DA3205C09}" type="datetimeFigureOut">
               <a:rPr lang="en-US" smtClean="0"/>
               <a:pPr/>
-              <a:t>12/10/2018</a:t>
+              <a:t>12/12/2018</a:t>
             </a:fld>
             <a:endParaRPr lang="en-US"/>
           </a:p>
@@ -2837,7 +2837,7 @@
             <a:fld id="{1D8BD707-D9CF-40AE-B4C6-C98DA3205C09}" type="datetimeFigureOut">
               <a:rPr lang="en-US" smtClean="0"/>
               <a:pPr/>
-              <a:t>12/10/2018</a:t>
+              <a:t>12/12/2018</a:t>
             </a:fld>
             <a:endParaRPr lang="en-US"/>
           </a:p>
@@ -3047,7 +3047,7 @@
             <a:fld id="{1D8BD707-D9CF-40AE-B4C6-C98DA3205C09}" type="datetimeFigureOut">
               <a:rPr lang="en-US" smtClean="0"/>
               <a:pPr/>
-              <a:t>12/10/2018</a:t>
+              <a:t>12/12/2018</a:t>
             </a:fld>
             <a:endParaRPr lang="en-US"/>
           </a:p>
@@ -3979,7 +3979,7 @@
           <a:blip r:embed="rId2">
             <a:extLst>
               <a:ext uri="{28A0092B-C50C-407E-A947-70E740481C1C}">
-                <a14:useLocalDpi xmlns:a14="http://schemas.microsoft.com/office/drawing/2010/main" xmlns="" val="0"/>
+                <a14:useLocalDpi xmlns="" xmlns:a14="http://schemas.microsoft.com/office/drawing/2010/main" val="0"/>
               </a:ext>
             </a:extLst>
           </a:blip>
@@ -4601,8 +4601,12 @@
           </a:p>
           <a:p>
             <a:r>
-              <a:rPr lang="en-US" dirty="0" smtClean="0"/>
-              <a:t>php artisan </a:t>
+              <a:rPr lang="en-US" dirty="0" err="1" smtClean="0"/>
+              <a:t>php</a:t>
+            </a:r>
+            <a:r>
+              <a:rPr lang="en-US" dirty="0" smtClean="0"/>
+              <a:t> artisan </a:t>
             </a:r>
             <a:r>
               <a:rPr lang="en-US" dirty="0" err="1" smtClean="0"/>
@@ -4617,14 +4621,23 @@
               <a:t>mcr</a:t>
             </a:r>
             <a:r>
-              <a:rPr lang="en-US" dirty="0" smtClean="0"/>
-              <a:t> test</a:t>
-            </a:r>
-          </a:p>
-          <a:p>
-            <a:r>
-              <a:rPr lang="en-US" dirty="0" smtClean="0"/>
-              <a:t>php artisan </a:t>
+              <a:rPr lang="en-US" smtClean="0"/>
+              <a:t> Model/test</a:t>
+            </a:r>
+            <a:endParaRPr lang="en-US" dirty="0" smtClean="0"/>
+          </a:p>
+          <a:p>
+            <a:r>
+              <a:rPr lang="en-US" dirty="0" err="1" smtClean="0"/>
+              <a:t>php</a:t>
+            </a:r>
+            <a:r>
+              <a:rPr lang="en-US" dirty="0" smtClean="0"/>
+              <a:t> </a:t>
+            </a:r>
+            <a:r>
+              <a:rPr lang="en-US" dirty="0" smtClean="0"/>
+              <a:t>artisan </a:t>
             </a:r>
             <a:r>
               <a:rPr lang="en-US" dirty="0" err="1" smtClean="0"/>
@@ -5149,6 +5162,45 @@
               <a:rPr lang="en-US" sz="2800" dirty="0" smtClean="0"/>
               <a:t>');</a:t>
             </a:r>
+          </a:p>
+          <a:p>
+            <a:endParaRPr lang="en-US" sz="2800" dirty="0" smtClean="0"/>
+          </a:p>
+          <a:p>
+            <a:endParaRPr lang="en-US" sz="2800" dirty="0" smtClean="0"/>
+          </a:p>
+          <a:p>
+            <a:r>
+              <a:rPr lang="en-US" sz="2800" dirty="0" smtClean="0"/>
+              <a:t>"Route::resource('$1','$1Controller');\n </a:t>
+            </a:r>
+            <a:r>
+              <a:rPr lang="en-US" sz="2800" dirty="0" err="1" smtClean="0"/>
+              <a:t>php</a:t>
+            </a:r>
+            <a:r>
+              <a:rPr lang="en-US" sz="2800" dirty="0" smtClean="0"/>
+              <a:t> artisan </a:t>
+            </a:r>
+            <a:r>
+              <a:rPr lang="en-US" sz="2800" dirty="0" err="1" smtClean="0"/>
+              <a:t>make:model</a:t>
+            </a:r>
+            <a:r>
+              <a:rPr lang="en-US" sz="2800" dirty="0" smtClean="0"/>
+              <a:t> -</a:t>
+            </a:r>
+            <a:r>
+              <a:rPr lang="en-US" sz="2800" dirty="0" err="1" smtClean="0"/>
+              <a:t>mcr</a:t>
+            </a:r>
+            <a:r>
+              <a:rPr lang="en-US" sz="2800" dirty="0" smtClean="0"/>
+              <a:t> Model/$1",</a:t>
+            </a:r>
+          </a:p>
+          <a:p>
+            <a:endParaRPr lang="en-US" sz="2800" dirty="0" smtClean="0"/>
           </a:p>
           <a:p>
             <a:endParaRPr lang="en-US" dirty="0" smtClean="0"/>
